--- a/발표용.pptx
+++ b/발표용.pptx
@@ -3520,7 +3520,20 @@
                   <a:latin typeface="G마켓 산스 TTF Medium" panose="02000000000000000000" pitchFamily="2" charset="-127"/>
                   <a:ea typeface="G마켓 산스 TTF Medium" panose="02000000000000000000" pitchFamily="2" charset="-127"/>
                 </a:rPr>
-                <a:t>코드 분석과 해설</a:t>
+                <a:t>코드 </a:t>
+              </a:r>
+              <a:r>
+                <a:rPr lang="ko-KR" altLang="en-US" sz="4800" dirty="0" smtClean="0">
+                  <a:solidFill>
+                    <a:schemeClr val="tx1">
+                      <a:lumMod val="50000"/>
+                      <a:lumOff val="50000"/>
+                    </a:schemeClr>
+                  </a:solidFill>
+                  <a:latin typeface="G마켓 산스 TTF Medium" panose="02000000000000000000" pitchFamily="2" charset="-127"/>
+                  <a:ea typeface="G마켓 산스 TTF Medium" panose="02000000000000000000" pitchFamily="2" charset="-127"/>
+                </a:rPr>
+                <a:t>해설</a:t>
               </a:r>
               <a:endParaRPr lang="ko-KR" altLang="en-US" sz="4800" dirty="0">
                 <a:solidFill>
@@ -5742,7 +5755,20 @@
                   <a:latin typeface="G마켓 산스 TTF Medium" panose="02000000000000000000" pitchFamily="2" charset="-127"/>
                   <a:ea typeface="G마켓 산스 TTF Medium" panose="02000000000000000000" pitchFamily="2" charset="-127"/>
                 </a:rPr>
-                <a:t>코드 분석과 해설</a:t>
+                <a:t>코드 </a:t>
+              </a:r>
+              <a:r>
+                <a:rPr lang="ko-KR" altLang="en-US" sz="4800" dirty="0" smtClean="0">
+                  <a:solidFill>
+                    <a:schemeClr val="tx1">
+                      <a:lumMod val="50000"/>
+                      <a:lumOff val="50000"/>
+                    </a:schemeClr>
+                  </a:solidFill>
+                  <a:latin typeface="G마켓 산스 TTF Medium" panose="02000000000000000000" pitchFamily="2" charset="-127"/>
+                  <a:ea typeface="G마켓 산스 TTF Medium" panose="02000000000000000000" pitchFamily="2" charset="-127"/>
+                </a:rPr>
+                <a:t>해설</a:t>
               </a:r>
               <a:endParaRPr lang="ko-KR" altLang="en-US" sz="4800" dirty="0">
                 <a:solidFill>
@@ -7818,6 +7844,166 @@
               </a:rPr>
               <a:t>딜 메커니즘</a:t>
             </a:r>
+          </a:p>
+        </p:txBody>
+      </p:sp>
+      <p:sp>
+        <p:nvSpPr>
+          <p:cNvPr id="4" name="직사각형 3"/>
+          <p:cNvSpPr/>
+          <p:nvPr/>
+        </p:nvSpPr>
+        <p:spPr>
+          <a:xfrm>
+            <a:off x="10098174" y="3389700"/>
+            <a:ext cx="371606" cy="371606"/>
+          </a:xfrm>
+          <a:prstGeom prst="rect">
+            <a:avLst/>
+          </a:prstGeom>
+        </p:spPr>
+        <p:style>
+          <a:lnRef idx="2">
+            <a:schemeClr val="accent1">
+              <a:shade val="50000"/>
+            </a:schemeClr>
+          </a:lnRef>
+          <a:fillRef idx="1">
+            <a:schemeClr val="accent1"/>
+          </a:fillRef>
+          <a:effectRef idx="0">
+            <a:schemeClr val="accent1"/>
+          </a:effectRef>
+          <a:fontRef idx="minor">
+            <a:schemeClr val="lt1"/>
+          </a:fontRef>
+        </p:style>
+        <p:txBody>
+          <a:bodyPr rtlCol="0" anchor="ctr"/>
+          <a:lstStyle/>
+          <a:p>
+            <a:pPr algn="ctr"/>
+            <a:endParaRPr lang="ko-KR" altLang="en-US"/>
+          </a:p>
+        </p:txBody>
+      </p:sp>
+      <p:sp>
+        <p:nvSpPr>
+          <p:cNvPr id="34" name="직사각형 33"/>
+          <p:cNvSpPr/>
+          <p:nvPr/>
+        </p:nvSpPr>
+        <p:spPr>
+          <a:xfrm>
+            <a:off x="10098174" y="3761306"/>
+            <a:ext cx="371606" cy="371606"/>
+          </a:xfrm>
+          <a:prstGeom prst="rect">
+            <a:avLst/>
+          </a:prstGeom>
+        </p:spPr>
+        <p:style>
+          <a:lnRef idx="2">
+            <a:schemeClr val="accent1">
+              <a:shade val="50000"/>
+            </a:schemeClr>
+          </a:lnRef>
+          <a:fillRef idx="1">
+            <a:schemeClr val="accent1"/>
+          </a:fillRef>
+          <a:effectRef idx="0">
+            <a:schemeClr val="accent1"/>
+          </a:effectRef>
+          <a:fontRef idx="minor">
+            <a:schemeClr val="lt1"/>
+          </a:fontRef>
+        </p:style>
+        <p:txBody>
+          <a:bodyPr rtlCol="0" anchor="ctr"/>
+          <a:lstStyle/>
+          <a:p>
+            <a:pPr algn="ctr"/>
+            <a:endParaRPr lang="ko-KR" altLang="en-US"/>
+          </a:p>
+        </p:txBody>
+      </p:sp>
+      <p:sp>
+        <p:nvSpPr>
+          <p:cNvPr id="35" name="직사각형 34"/>
+          <p:cNvSpPr/>
+          <p:nvPr/>
+        </p:nvSpPr>
+        <p:spPr>
+          <a:xfrm>
+            <a:off x="10469780" y="3761306"/>
+            <a:ext cx="371606" cy="371606"/>
+          </a:xfrm>
+          <a:prstGeom prst="rect">
+            <a:avLst/>
+          </a:prstGeom>
+        </p:spPr>
+        <p:style>
+          <a:lnRef idx="2">
+            <a:schemeClr val="accent1">
+              <a:shade val="50000"/>
+            </a:schemeClr>
+          </a:lnRef>
+          <a:fillRef idx="1">
+            <a:schemeClr val="accent1"/>
+          </a:fillRef>
+          <a:effectRef idx="0">
+            <a:schemeClr val="accent1"/>
+          </a:effectRef>
+          <a:fontRef idx="minor">
+            <a:schemeClr val="lt1"/>
+          </a:fontRef>
+        </p:style>
+        <p:txBody>
+          <a:bodyPr rtlCol="0" anchor="ctr"/>
+          <a:lstStyle/>
+          <a:p>
+            <a:pPr algn="ctr"/>
+            <a:endParaRPr lang="ko-KR" altLang="en-US"/>
+          </a:p>
+        </p:txBody>
+      </p:sp>
+      <p:sp>
+        <p:nvSpPr>
+          <p:cNvPr id="36" name="직사각형 35"/>
+          <p:cNvSpPr/>
+          <p:nvPr/>
+        </p:nvSpPr>
+        <p:spPr>
+          <a:xfrm>
+            <a:off x="10469780" y="4132912"/>
+            <a:ext cx="371606" cy="371606"/>
+          </a:xfrm>
+          <a:prstGeom prst="rect">
+            <a:avLst/>
+          </a:prstGeom>
+        </p:spPr>
+        <p:style>
+          <a:lnRef idx="2">
+            <a:schemeClr val="accent1">
+              <a:shade val="50000"/>
+            </a:schemeClr>
+          </a:lnRef>
+          <a:fillRef idx="1">
+            <a:schemeClr val="accent1"/>
+          </a:fillRef>
+          <a:effectRef idx="0">
+            <a:schemeClr val="accent1"/>
+          </a:effectRef>
+          <a:fontRef idx="minor">
+            <a:schemeClr val="lt1"/>
+          </a:fontRef>
+        </p:style>
+        <p:txBody>
+          <a:bodyPr rtlCol="0" anchor="ctr"/>
+          <a:lstStyle/>
+          <a:p>
+            <a:pPr algn="ctr"/>
+            <a:endParaRPr lang="ko-KR" altLang="en-US"/>
           </a:p>
         </p:txBody>
       </p:sp>
@@ -9169,7 +9355,20 @@
                   <a:latin typeface="G마켓 산스 TTF Medium" panose="02000000000000000000" pitchFamily="2" charset="-127"/>
                   <a:ea typeface="G마켓 산스 TTF Medium" panose="02000000000000000000" pitchFamily="2" charset="-127"/>
                 </a:rPr>
-                <a:t>코드 분석과 해설</a:t>
+                <a:t>코드 </a:t>
+              </a:r>
+              <a:r>
+                <a:rPr lang="ko-KR" altLang="en-US" sz="1600" dirty="0" smtClean="0">
+                  <a:solidFill>
+                    <a:schemeClr val="tx1">
+                      <a:lumMod val="50000"/>
+                      <a:lumOff val="50000"/>
+                    </a:schemeClr>
+                  </a:solidFill>
+                  <a:latin typeface="G마켓 산스 TTF Medium" panose="02000000000000000000" pitchFamily="2" charset="-127"/>
+                  <a:ea typeface="G마켓 산스 TTF Medium" panose="02000000000000000000" pitchFamily="2" charset="-127"/>
+                </a:rPr>
+                <a:t>해설</a:t>
               </a:r>
               <a:endParaRPr lang="ko-KR" altLang="en-US" sz="1600" dirty="0">
                 <a:solidFill>
